--- a/AI_18_박경훈_Section4.pptx
+++ b/AI_18_박경훈_Section4.pptx
@@ -5648,6 +5648,36 @@
               </a:rPr>
               <a:t>대시보드</a:t>
             </a:r>
+            <a:endParaRPr lang="en-US" altLang="ko-KR">
+              <a:solidFill>
+                <a:schemeClr val="tx1">
+                  <a:lumMod val="65000"/>
+                  <a:lumOff val="35000"/>
+                </a:schemeClr>
+              </a:solidFill>
+            </a:endParaRPr>
+          </a:p>
+          <a:p>
+            <a:pPr algn="ctr"/>
+            <a:r>
+              <a:rPr lang="en-US" altLang="ko-KR">
+                <a:solidFill>
+                  <a:schemeClr val="tx1">
+                    <a:lumMod val="65000"/>
+                    <a:lumOff val="35000"/>
+                  </a:schemeClr>
+                </a:solidFill>
+              </a:rPr>
+              <a:t>(metabase)</a:t>
+            </a:r>
+            <a:endParaRPr lang="ko-KR" altLang="en-US">
+              <a:solidFill>
+                <a:schemeClr val="tx1">
+                  <a:lumMod val="65000"/>
+                  <a:lumOff val="35000"/>
+                </a:schemeClr>
+              </a:solidFill>
+            </a:endParaRPr>
           </a:p>
         </p:txBody>
       </p:sp>
@@ -7483,11 +7513,11 @@
             </a:pPr>
             <a:r>
               <a:rPr lang="en-US" altLang="ko-KR"/>
-              <a:t>dashboard : </a:t>
-            </a:r>
-            <a:r>
-              <a:rPr lang="ko-KR" altLang="en-US"/>
-              <a:t>대시보드 페이지 접근</a:t>
+              <a:t>dashboard : metabase </a:t>
+            </a:r>
+            <a:r>
+              <a:rPr lang="ko-KR" altLang="en-US"/>
+              <a:t>대시보드에 접근</a:t>
             </a:r>
             <a:endParaRPr lang="en-US" altLang="ko-KR"/>
           </a:p>
